--- a/Web Prog Project 1.pptx
+++ b/Web Prog Project 1.pptx
@@ -1010,7 +1010,7 @@
   <p:cSld>
     <p:spTree>
       <p:nvGrpSpPr>
-        <p:cNvPr id="148" name="Shape 148"/>
+        <p:cNvPr id="152" name="Shape 152"/>
         <p:cNvGrpSpPr/>
         <p:nvPr/>
       </p:nvGrpSpPr>
@@ -1024,7 +1024,7 @@
       </p:grpSpPr>
       <p:sp>
         <p:nvSpPr>
-          <p:cNvPr id="149" name="Google Shape;149;ga030f762b8_0_25:notes"/>
+          <p:cNvPr id="153" name="Google Shape;153;ga030f762b8_0_25:notes"/>
           <p:cNvSpPr/>
           <p:nvPr>
             <p:ph idx="2" type="sldImg"/>
@@ -1059,7 +1059,7 @@
       </p:sp>
       <p:sp>
         <p:nvSpPr>
-          <p:cNvPr id="150" name="Google Shape;150;ga030f762b8_0_25:notes"/>
+          <p:cNvPr id="154" name="Google Shape;154;ga030f762b8_0_25:notes"/>
           <p:cNvSpPr txBox="1"/>
           <p:nvPr>
             <p:ph idx="1" type="body"/>
@@ -1109,7 +1109,7 @@
   <p:cSld>
     <p:spTree>
       <p:nvGrpSpPr>
-        <p:cNvPr id="159" name="Shape 159"/>
+        <p:cNvPr id="163" name="Shape 163"/>
         <p:cNvGrpSpPr/>
         <p:nvPr/>
       </p:nvGrpSpPr>
@@ -1123,7 +1123,7 @@
       </p:grpSpPr>
       <p:sp>
         <p:nvSpPr>
-          <p:cNvPr id="160" name="Google Shape;160;ga030f762b8_0_37:notes"/>
+          <p:cNvPr id="164" name="Google Shape;164;ga030f762b8_0_37:notes"/>
           <p:cNvSpPr/>
           <p:nvPr>
             <p:ph idx="2" type="sldImg"/>
@@ -1158,7 +1158,7 @@
       </p:sp>
       <p:sp>
         <p:nvSpPr>
-          <p:cNvPr id="161" name="Google Shape;161;ga030f762b8_0_37:notes"/>
+          <p:cNvPr id="165" name="Google Shape;165;ga030f762b8_0_37:notes"/>
           <p:cNvSpPr txBox="1"/>
           <p:nvPr>
             <p:ph idx="1" type="body"/>
@@ -1208,7 +1208,7 @@
   <p:cSld>
     <p:spTree>
       <p:nvGrpSpPr>
-        <p:cNvPr id="168" name="Shape 168"/>
+        <p:cNvPr id="172" name="Shape 172"/>
         <p:cNvGrpSpPr/>
         <p:nvPr/>
       </p:nvGrpSpPr>
@@ -1222,7 +1222,7 @@
       </p:grpSpPr>
       <p:sp>
         <p:nvSpPr>
-          <p:cNvPr id="169" name="Google Shape;169;ga030f762b8_0_45:notes"/>
+          <p:cNvPr id="173" name="Google Shape;173;ga030f762b8_0_45:notes"/>
           <p:cNvSpPr/>
           <p:nvPr>
             <p:ph idx="2" type="sldImg"/>
@@ -1257,7 +1257,7 @@
       </p:sp>
       <p:sp>
         <p:nvSpPr>
-          <p:cNvPr id="170" name="Google Shape;170;ga030f762b8_0_45:notes"/>
+          <p:cNvPr id="174" name="Google Shape;174;ga030f762b8_0_45:notes"/>
           <p:cNvSpPr txBox="1"/>
           <p:nvPr>
             <p:ph idx="1" type="body"/>
@@ -1307,7 +1307,7 @@
   <p:cSld>
     <p:spTree>
       <p:nvGrpSpPr>
-        <p:cNvPr id="177" name="Shape 177"/>
+        <p:cNvPr id="181" name="Shape 181"/>
         <p:cNvGrpSpPr/>
         <p:nvPr/>
       </p:nvGrpSpPr>
@@ -1321,7 +1321,7 @@
       </p:grpSpPr>
       <p:sp>
         <p:nvSpPr>
-          <p:cNvPr id="178" name="Google Shape;178;ga030f762b8_0_54:notes"/>
+          <p:cNvPr id="182" name="Google Shape;182;ga030f762b8_0_54:notes"/>
           <p:cNvSpPr/>
           <p:nvPr>
             <p:ph idx="2" type="sldImg"/>
@@ -1356,7 +1356,7 @@
       </p:sp>
       <p:sp>
         <p:nvSpPr>
-          <p:cNvPr id="179" name="Google Shape;179;ga030f762b8_0_54:notes"/>
+          <p:cNvPr id="183" name="Google Shape;183;ga030f762b8_0_54:notes"/>
           <p:cNvSpPr txBox="1"/>
           <p:nvPr>
             <p:ph idx="1" type="body"/>
@@ -9665,6 +9665,9 @@
           <a:lstStyle/>
           <a:p>
             <a:pPr indent="0" lvl="0" marL="0" rtl="0" algn="ctr">
+              <a:lnSpc>
+                <a:spcPct val="115000"/>
+              </a:lnSpc>
               <a:spcBef>
                 <a:spcPts val="0"/>
               </a:spcBef>
@@ -9681,6 +9684,9 @@
           </a:p>
           <a:p>
             <a:pPr indent="0" lvl="0" marL="0" rtl="0" algn="ctr">
+              <a:lnSpc>
+                <a:spcPct val="115000"/>
+              </a:lnSpc>
               <a:spcBef>
                 <a:spcPts val="0"/>
               </a:spcBef>
@@ -9824,7 +9830,7 @@
             </a:pPr>
             <a:r>
               <a:rPr lang="en"/>
-              <a:t>To make a matching card game animation, without actual functionality.</a:t>
+              <a:t>To make a matching card game animation, without actual functionality (No scores, no track)</a:t>
             </a:r>
             <a:endParaRPr/>
           </a:p>
@@ -9884,7 +9890,7 @@
             </a:pPr>
             <a:r>
               <a:rPr lang="en"/>
-              <a:t>Animation to flip cards</a:t>
+              <a:t>Show animation to flip cards</a:t>
             </a:r>
             <a:endParaRPr/>
           </a:p>
@@ -9904,7 +9910,7 @@
             </a:pPr>
             <a:r>
               <a:rPr lang="en"/>
-              <a:t>Images for the cards</a:t>
+              <a:t>Images for the cards (the front and back)</a:t>
             </a:r>
             <a:endParaRPr/>
           </a:p>
@@ -9915,89 +9921,6 @@
   <p:clrMapOvr>
     <a:masterClrMapping/>
   </p:clrMapOvr>
-  <p:timing>
-    <p:tnLst>
-      <p:par>
-        <p:cTn dur="indefinite" nodeType="tmRoot" restart="never">
-          <p:childTnLst>
-            <p:seq concurrent="1" nextAc="seek">
-              <p:cTn dur="indefinite" id="2" nodeType="mainSeq">
-                <p:childTnLst>
-                  <p:par>
-                    <p:cTn fill="hold">
-                      <p:stCondLst>
-                        <p:cond delay="indefinite"/>
-                      </p:stCondLst>
-                      <p:childTnLst>
-                        <p:par>
-                          <p:cTn fill="hold">
-                            <p:stCondLst>
-                              <p:cond delay="0"/>
-                            </p:stCondLst>
-                            <p:childTnLst>
-                              <p:par>
-                                <p:cTn fill="hold" nodeType="clickEffect" presetClass="entr" presetID="10" presetSubtype="0">
-                                  <p:stCondLst>
-                                    <p:cond delay="0"/>
-                                  </p:stCondLst>
-                                  <p:childTnLst>
-                                    <p:set>
-                                      <p:cBhvr>
-                                        <p:cTn dur="1" fill="hold">
-                                          <p:stCondLst>
-                                            <p:cond delay="0"/>
-                                          </p:stCondLst>
-                                        </p:cTn>
-                                        <p:tgtEl>
-                                          <p:spTgt spid="140"/>
-                                        </p:tgtEl>
-                                        <p:attrNameLst>
-                                          <p:attrName>style.visibility</p:attrName>
-                                        </p:attrNameLst>
-                                      </p:cBhvr>
-                                      <p:to>
-                                        <p:strVal val="visible"/>
-                                      </p:to>
-                                    </p:set>
-                                    <p:animEffect filter="fade" transition="in">
-                                      <p:cBhvr>
-                                        <p:cTn dur="1000"/>
-                                        <p:tgtEl>
-                                          <p:spTgt spid="140"/>
-                                        </p:tgtEl>
-                                      </p:cBhvr>
-                                    </p:animEffect>
-                                  </p:childTnLst>
-                                </p:cTn>
-                              </p:par>
-                            </p:childTnLst>
-                          </p:cTn>
-                        </p:par>
-                      </p:childTnLst>
-                    </p:cTn>
-                  </p:par>
-                </p:childTnLst>
-              </p:cTn>
-              <p:prevCondLst>
-                <p:cond evt="onPrev">
-                  <p:tgtEl>
-                    <p:sldTgt/>
-                  </p:tgtEl>
-                </p:cond>
-              </p:prevCondLst>
-              <p:nextCondLst>
-                <p:cond evt="onNext">
-                  <p:tgtEl>
-                    <p:sldTgt/>
-                  </p:tgtEl>
-                </p:cond>
-              </p:nextCondLst>
-            </p:seq>
-          </p:childTnLst>
-        </p:cTn>
-      </p:par>
-    </p:tnLst>
-  </p:timing>
 </p:sld>
 </file>
 
@@ -10176,7 +10099,7 @@
             </a:pPr>
             <a:r>
               <a:rPr lang="en"/>
-              <a:t>4 by 4 grid</a:t>
+              <a:t>4 by 4 grid (16 cards in total)</a:t>
             </a:r>
             <a:endParaRPr/>
           </a:p>
@@ -10196,12 +10119,124 @@
             </a:pPr>
             <a:r>
               <a:rPr lang="en"/>
-              <a:t>Pretty cards</a:t>
+              <a:t>Pretty cards of course :)</a:t>
             </a:r>
             <a:endParaRPr/>
           </a:p>
         </p:txBody>
       </p:sp>
+      <p:pic>
+        <p:nvPicPr>
+          <p:cNvPr id="148" name="Google Shape;148;p15"/>
+          <p:cNvPicPr preferRelativeResize="0"/>
+          <p:nvPr/>
+        </p:nvPicPr>
+        <p:blipFill>
+          <a:blip r:embed="rId3">
+            <a:alphaModFix/>
+          </a:blip>
+          <a:stretch>
+            <a:fillRect/>
+          </a:stretch>
+        </p:blipFill>
+        <p:spPr>
+          <a:xfrm>
+            <a:off x="2102675" y="3631375"/>
+            <a:ext cx="714375" cy="1047750"/>
+          </a:xfrm>
+          <a:prstGeom prst="rect">
+            <a:avLst/>
+          </a:prstGeom>
+          <a:noFill/>
+          <a:ln>
+            <a:noFill/>
+          </a:ln>
+        </p:spPr>
+      </p:pic>
+      <p:pic>
+        <p:nvPicPr>
+          <p:cNvPr id="149" name="Google Shape;149;p15"/>
+          <p:cNvPicPr preferRelativeResize="0"/>
+          <p:nvPr/>
+        </p:nvPicPr>
+        <p:blipFill>
+          <a:blip r:embed="rId4">
+            <a:alphaModFix/>
+          </a:blip>
+          <a:stretch>
+            <a:fillRect/>
+          </a:stretch>
+        </p:blipFill>
+        <p:spPr>
+          <a:xfrm>
+            <a:off x="2924925" y="3631375"/>
+            <a:ext cx="714375" cy="1047750"/>
+          </a:xfrm>
+          <a:prstGeom prst="rect">
+            <a:avLst/>
+          </a:prstGeom>
+          <a:noFill/>
+          <a:ln>
+            <a:noFill/>
+          </a:ln>
+        </p:spPr>
+      </p:pic>
+      <p:pic>
+        <p:nvPicPr>
+          <p:cNvPr id="150" name="Google Shape;150;p15"/>
+          <p:cNvPicPr preferRelativeResize="0"/>
+          <p:nvPr/>
+        </p:nvPicPr>
+        <p:blipFill>
+          <a:blip r:embed="rId5">
+            <a:alphaModFix/>
+          </a:blip>
+          <a:stretch>
+            <a:fillRect/>
+          </a:stretch>
+        </p:blipFill>
+        <p:spPr>
+          <a:xfrm>
+            <a:off x="3747175" y="3631375"/>
+            <a:ext cx="714375" cy="1047750"/>
+          </a:xfrm>
+          <a:prstGeom prst="rect">
+            <a:avLst/>
+          </a:prstGeom>
+          <a:noFill/>
+          <a:ln>
+            <a:noFill/>
+          </a:ln>
+        </p:spPr>
+      </p:pic>
+      <p:pic>
+        <p:nvPicPr>
+          <p:cNvPr id="151" name="Google Shape;151;p15"/>
+          <p:cNvPicPr preferRelativeResize="0"/>
+          <p:nvPr/>
+        </p:nvPicPr>
+        <p:blipFill>
+          <a:blip r:embed="rId6">
+            <a:alphaModFix/>
+          </a:blip>
+          <a:stretch>
+            <a:fillRect/>
+          </a:stretch>
+        </p:blipFill>
+        <p:spPr>
+          <a:xfrm>
+            <a:off x="4569425" y="3631375"/>
+            <a:ext cx="714375" cy="1047750"/>
+          </a:xfrm>
+          <a:prstGeom prst="rect">
+            <a:avLst/>
+          </a:prstGeom>
+          <a:noFill/>
+          <a:ln>
+            <a:noFill/>
+          </a:ln>
+        </p:spPr>
+      </p:pic>
     </p:spTree>
   </p:cSld>
   <p:clrMapOvr>
@@ -10215,7 +10250,7 @@
   <p:cSld>
     <p:spTree>
       <p:nvGrpSpPr>
-        <p:cNvPr id="151" name="Shape 151"/>
+        <p:cNvPr id="155" name="Shape 155"/>
         <p:cNvGrpSpPr/>
         <p:nvPr/>
       </p:nvGrpSpPr>
@@ -10229,7 +10264,7 @@
       </p:grpSpPr>
       <p:sp>
         <p:nvSpPr>
-          <p:cNvPr id="152" name="Google Shape;152;p16"/>
+          <p:cNvPr id="156" name="Google Shape;156;p16"/>
           <p:cNvSpPr txBox="1"/>
           <p:nvPr>
             <p:ph type="title"/>
@@ -10269,7 +10304,7 @@
       </p:sp>
       <p:sp>
         <p:nvSpPr>
-          <p:cNvPr id="153" name="Google Shape;153;p16"/>
+          <p:cNvPr id="157" name="Google Shape;157;p16"/>
           <p:cNvSpPr txBox="1"/>
           <p:nvPr>
             <p:ph idx="1" type="body"/>
@@ -10389,7 +10424,7 @@
       </p:sp>
       <p:pic>
         <p:nvPicPr>
-          <p:cNvPr id="154" name="Google Shape;154;p16"/>
+          <p:cNvPr id="158" name="Google Shape;158;p16"/>
           <p:cNvPicPr preferRelativeResize="0"/>
           <p:nvPr/>
         </p:nvPicPr>
@@ -10417,7 +10452,7 @@
       </p:pic>
       <p:pic>
         <p:nvPicPr>
-          <p:cNvPr id="155" name="Google Shape;155;p16"/>
+          <p:cNvPr id="159" name="Google Shape;159;p16"/>
           <p:cNvPicPr preferRelativeResize="0"/>
           <p:nvPr/>
         </p:nvPicPr>
@@ -10443,37 +10478,9 @@
           </a:ln>
         </p:spPr>
       </p:pic>
-      <p:pic>
-        <p:nvPicPr>
-          <p:cNvPr id="156" name="Google Shape;156;p16"/>
-          <p:cNvPicPr preferRelativeResize="0"/>
-          <p:nvPr/>
-        </p:nvPicPr>
-        <p:blipFill>
-          <a:blip r:embed="rId5">
-            <a:alphaModFix/>
-          </a:blip>
-          <a:stretch>
-            <a:fillRect/>
-          </a:stretch>
-        </p:blipFill>
-        <p:spPr>
-          <a:xfrm>
-            <a:off x="1608800" y="3185296"/>
-            <a:ext cx="1314459" cy="934228"/>
-          </a:xfrm>
-          <a:prstGeom prst="rect">
-            <a:avLst/>
-          </a:prstGeom>
-          <a:noFill/>
-          <a:ln>
-            <a:noFill/>
-          </a:ln>
-        </p:spPr>
-      </p:pic>
       <p:sp>
         <p:nvSpPr>
-          <p:cNvPr id="157" name="Google Shape;157;p16"/>
+          <p:cNvPr id="160" name="Google Shape;160;p16"/>
           <p:cNvSpPr txBox="1"/>
           <p:nvPr>
             <p:ph idx="1" type="body"/>
@@ -10533,7 +10540,35 @@
       </p:sp>
       <p:pic>
         <p:nvPicPr>
-          <p:cNvPr id="158" name="Google Shape;158;p16"/>
+          <p:cNvPr id="161" name="Google Shape;161;p16"/>
+          <p:cNvPicPr preferRelativeResize="0"/>
+          <p:nvPr/>
+        </p:nvPicPr>
+        <p:blipFill>
+          <a:blip r:embed="rId5">
+            <a:alphaModFix/>
+          </a:blip>
+          <a:stretch>
+            <a:fillRect/>
+          </a:stretch>
+        </p:blipFill>
+        <p:spPr>
+          <a:xfrm>
+            <a:off x="4758013" y="1345688"/>
+            <a:ext cx="1135637" cy="643263"/>
+          </a:xfrm>
+          <a:prstGeom prst="rect">
+            <a:avLst/>
+          </a:prstGeom>
+          <a:noFill/>
+          <a:ln>
+            <a:noFill/>
+          </a:ln>
+        </p:spPr>
+      </p:pic>
+      <p:pic>
+        <p:nvPicPr>
+          <p:cNvPr id="162" name="Google Shape;162;p16"/>
           <p:cNvPicPr preferRelativeResize="0"/>
           <p:nvPr/>
         </p:nvPicPr>
@@ -10547,8 +10582,8 @@
         </p:blipFill>
         <p:spPr>
           <a:xfrm>
-            <a:off x="4758013" y="1345688"/>
-            <a:ext cx="1135637" cy="643263"/>
+            <a:off x="1489588" y="3185325"/>
+            <a:ext cx="1135637" cy="460608"/>
           </a:xfrm>
           <a:prstGeom prst="rect">
             <a:avLst/>
@@ -10572,7 +10607,7 @@
   <p:cSld>
     <p:spTree>
       <p:nvGrpSpPr>
-        <p:cNvPr id="162" name="Shape 162"/>
+        <p:cNvPr id="166" name="Shape 166"/>
         <p:cNvGrpSpPr/>
         <p:nvPr/>
       </p:nvGrpSpPr>
@@ -10586,7 +10621,7 @@
       </p:grpSpPr>
       <p:sp>
         <p:nvSpPr>
-          <p:cNvPr id="163" name="Google Shape;163;p17"/>
+          <p:cNvPr id="167" name="Google Shape;167;p17"/>
           <p:cNvSpPr txBox="1"/>
           <p:nvPr>
             <p:ph type="title"/>
@@ -10626,7 +10661,7 @@
       </p:sp>
       <p:sp>
         <p:nvSpPr>
-          <p:cNvPr id="164" name="Google Shape;164;p17"/>
+          <p:cNvPr id="168" name="Google Shape;168;p17"/>
           <p:cNvSpPr txBox="1"/>
           <p:nvPr>
             <p:ph idx="1" type="body"/>
@@ -10729,7 +10764,7 @@
       </p:sp>
       <p:pic>
         <p:nvPicPr>
-          <p:cNvPr id="165" name="Google Shape;165;p17"/>
+          <p:cNvPr id="169" name="Google Shape;169;p17"/>
           <p:cNvPicPr preferRelativeResize="0"/>
           <p:nvPr/>
         </p:nvPicPr>
@@ -10757,7 +10792,7 @@
       </p:pic>
       <p:pic>
         <p:nvPicPr>
-          <p:cNvPr id="166" name="Google Shape;166;p17"/>
+          <p:cNvPr id="170" name="Google Shape;170;p17"/>
           <p:cNvPicPr preferRelativeResize="0"/>
           <p:nvPr/>
         </p:nvPicPr>
@@ -10785,7 +10820,7 @@
       </p:pic>
       <p:pic>
         <p:nvPicPr>
-          <p:cNvPr id="167" name="Google Shape;167;p17"/>
+          <p:cNvPr id="171" name="Google Shape;171;p17"/>
           <p:cNvPicPr preferRelativeResize="0"/>
           <p:nvPr/>
         </p:nvPicPr>
@@ -10824,7 +10859,7 @@
   <p:cSld>
     <p:spTree>
       <p:nvGrpSpPr>
-        <p:cNvPr id="171" name="Shape 171"/>
+        <p:cNvPr id="175" name="Shape 175"/>
         <p:cNvGrpSpPr/>
         <p:nvPr/>
       </p:nvGrpSpPr>
@@ -10838,7 +10873,7 @@
       </p:grpSpPr>
       <p:sp>
         <p:nvSpPr>
-          <p:cNvPr id="172" name="Google Shape;172;p18"/>
+          <p:cNvPr id="176" name="Google Shape;176;p18"/>
           <p:cNvSpPr txBox="1"/>
           <p:nvPr>
             <p:ph type="title"/>
@@ -10878,7 +10913,7 @@
       </p:sp>
       <p:sp>
         <p:nvSpPr>
-          <p:cNvPr id="173" name="Google Shape;173;p18"/>
+          <p:cNvPr id="177" name="Google Shape;177;p18"/>
           <p:cNvSpPr txBox="1"/>
           <p:nvPr>
             <p:ph idx="1" type="body"/>
@@ -11013,7 +11048,7 @@
       </p:sp>
       <p:pic>
         <p:nvPicPr>
-          <p:cNvPr id="174" name="Google Shape;174;p18"/>
+          <p:cNvPr id="178" name="Google Shape;178;p18"/>
           <p:cNvPicPr preferRelativeResize="0"/>
           <p:nvPr/>
         </p:nvPicPr>
@@ -11041,7 +11076,7 @@
       </p:pic>
       <p:pic>
         <p:nvPicPr>
-          <p:cNvPr id="175" name="Google Shape;175;p18"/>
+          <p:cNvPr id="179" name="Google Shape;179;p18"/>
           <p:cNvPicPr preferRelativeResize="0"/>
           <p:nvPr/>
         </p:nvPicPr>
@@ -11069,7 +11104,7 @@
       </p:pic>
       <p:pic>
         <p:nvPicPr>
-          <p:cNvPr id="176" name="Google Shape;176;p18"/>
+          <p:cNvPr id="180" name="Google Shape;180;p18"/>
           <p:cNvPicPr preferRelativeResize="0"/>
           <p:nvPr/>
         </p:nvPicPr>
@@ -11108,7 +11143,7 @@
   <p:cSld>
     <p:spTree>
       <p:nvGrpSpPr>
-        <p:cNvPr id="180" name="Shape 180"/>
+        <p:cNvPr id="184" name="Shape 184"/>
         <p:cNvGrpSpPr/>
         <p:nvPr/>
       </p:nvGrpSpPr>
@@ -11122,7 +11157,7 @@
       </p:grpSpPr>
       <p:sp>
         <p:nvSpPr>
-          <p:cNvPr id="181" name="Google Shape;181;p19"/>
+          <p:cNvPr id="185" name="Google Shape;185;p19"/>
           <p:cNvSpPr txBox="1"/>
           <p:nvPr>
             <p:ph type="title"/>
@@ -11162,7 +11197,7 @@
       </p:sp>
       <p:sp>
         <p:nvSpPr>
-          <p:cNvPr id="182" name="Google Shape;182;p19"/>
+          <p:cNvPr id="186" name="Google Shape;186;p19"/>
           <p:cNvSpPr txBox="1"/>
           <p:nvPr>
             <p:ph idx="1" type="body"/>
